--- a/assets/docs/Documento_Final_4.pptx
+++ b/assets/docs/Documento_Final_4.pptx
@@ -9,6 +9,8 @@
     <p:sldId id="257" r:id="rId3"/>
     <p:sldId id="258" r:id="rId4"/>
     <p:sldId id="259" r:id="rId5"/>
+    <p:sldId id="260" r:id="rId6"/>
+    <p:sldId id="261" r:id="rId7"/>
   </p:sldIdLst>
   <p:sldSz cx="12192000" cy="6858000"/>
   <p:notesSz cx="6858000" cy="9144000"/>
@@ -107,6 +109,11 @@
       </a:defRPr>
     </a:lvl9pPr>
   </p:defaultTextStyle>
+  <p:extLst>
+    <p:ext uri="{EFAFB233-063F-42B5-8137-9DF3F51BA10A}">
+      <p15:sldGuideLst xmlns:p15="http://schemas.microsoft.com/office/powerpoint/2012/main"/>
+    </p:ext>
+  </p:extLst>
 </p:presentation>
 </file>
 
@@ -259,7 +266,7 @@
           <a:p>
             <a:fld id="{7DCD6D8E-F750-480C-B3F5-B83B536E5B87}" type="datetimeFigureOut">
               <a:rPr lang="en-US" smtClean="0"/>
-              <a:t>9/9/2025</a:t>
+              <a:t>10/24/2025</a:t>
             </a:fld>
             <a:endParaRPr lang="en-US"/>
           </a:p>
@@ -459,7 +466,7 @@
           <a:p>
             <a:fld id="{7DCD6D8E-F750-480C-B3F5-B83B536E5B87}" type="datetimeFigureOut">
               <a:rPr lang="en-US" smtClean="0"/>
-              <a:t>9/9/2025</a:t>
+              <a:t>10/24/2025</a:t>
             </a:fld>
             <a:endParaRPr lang="en-US"/>
           </a:p>
@@ -669,7 +676,7 @@
           <a:p>
             <a:fld id="{7DCD6D8E-F750-480C-B3F5-B83B536E5B87}" type="datetimeFigureOut">
               <a:rPr lang="en-US" smtClean="0"/>
-              <a:t>9/9/2025</a:t>
+              <a:t>10/24/2025</a:t>
             </a:fld>
             <a:endParaRPr lang="en-US"/>
           </a:p>
@@ -869,7 +876,7 @@
           <a:p>
             <a:fld id="{7DCD6D8E-F750-480C-B3F5-B83B536E5B87}" type="datetimeFigureOut">
               <a:rPr lang="en-US" smtClean="0"/>
-              <a:t>9/9/2025</a:t>
+              <a:t>10/24/2025</a:t>
             </a:fld>
             <a:endParaRPr lang="en-US"/>
           </a:p>
@@ -1145,7 +1152,7 @@
           <a:p>
             <a:fld id="{7DCD6D8E-F750-480C-B3F5-B83B536E5B87}" type="datetimeFigureOut">
               <a:rPr lang="en-US" smtClean="0"/>
-              <a:t>9/9/2025</a:t>
+              <a:t>10/24/2025</a:t>
             </a:fld>
             <a:endParaRPr lang="en-US"/>
           </a:p>
@@ -1413,7 +1420,7 @@
           <a:p>
             <a:fld id="{7DCD6D8E-F750-480C-B3F5-B83B536E5B87}" type="datetimeFigureOut">
               <a:rPr lang="en-US" smtClean="0"/>
-              <a:t>9/9/2025</a:t>
+              <a:t>10/24/2025</a:t>
             </a:fld>
             <a:endParaRPr lang="en-US"/>
           </a:p>
@@ -1828,7 +1835,7 @@
           <a:p>
             <a:fld id="{7DCD6D8E-F750-480C-B3F5-B83B536E5B87}" type="datetimeFigureOut">
               <a:rPr lang="en-US" smtClean="0"/>
-              <a:t>9/9/2025</a:t>
+              <a:t>10/24/2025</a:t>
             </a:fld>
             <a:endParaRPr lang="en-US"/>
           </a:p>
@@ -1970,7 +1977,7 @@
           <a:p>
             <a:fld id="{7DCD6D8E-F750-480C-B3F5-B83B536E5B87}" type="datetimeFigureOut">
               <a:rPr lang="en-US" smtClean="0"/>
-              <a:t>9/9/2025</a:t>
+              <a:t>10/24/2025</a:t>
             </a:fld>
             <a:endParaRPr lang="en-US"/>
           </a:p>
@@ -2083,7 +2090,7 @@
           <a:p>
             <a:fld id="{7DCD6D8E-F750-480C-B3F5-B83B536E5B87}" type="datetimeFigureOut">
               <a:rPr lang="en-US" smtClean="0"/>
-              <a:t>9/9/2025</a:t>
+              <a:t>10/24/2025</a:t>
             </a:fld>
             <a:endParaRPr lang="en-US"/>
           </a:p>
@@ -2396,7 +2403,7 @@
           <a:p>
             <a:fld id="{7DCD6D8E-F750-480C-B3F5-B83B536E5B87}" type="datetimeFigureOut">
               <a:rPr lang="en-US" smtClean="0"/>
-              <a:t>9/9/2025</a:t>
+              <a:t>10/24/2025</a:t>
             </a:fld>
             <a:endParaRPr lang="en-US"/>
           </a:p>
@@ -2685,7 +2692,7 @@
           <a:p>
             <a:fld id="{7DCD6D8E-F750-480C-B3F5-B83B536E5B87}" type="datetimeFigureOut">
               <a:rPr lang="en-US" smtClean="0"/>
-              <a:t>9/9/2025</a:t>
+              <a:t>10/24/2025</a:t>
             </a:fld>
             <a:endParaRPr lang="en-US"/>
           </a:p>
@@ -2928,7 +2935,7 @@
           <a:p>
             <a:fld id="{7DCD6D8E-F750-480C-B3F5-B83B536E5B87}" type="datetimeFigureOut">
               <a:rPr lang="en-US" smtClean="0"/>
-              <a:t>9/9/2025</a:t>
+              <a:t>10/24/2025</a:t>
             </a:fld>
             <a:endParaRPr lang="en-US"/>
           </a:p>
@@ -3714,6 +3721,355 @@
 </p:sld>
 </file>
 
+<file path=ppt/slides/slide5.xml><?xml version="1.0" encoding="utf-8"?>
+<p:sld xmlns:a="http://schemas.openxmlformats.org/drawingml/2006/main" xmlns:r="http://schemas.openxmlformats.org/officeDocument/2006/relationships" xmlns:p="http://schemas.openxmlformats.org/presentationml/2006/main">
+  <p:cSld>
+    <p:spTree>
+      <p:nvGrpSpPr>
+        <p:cNvPr id="1" name=""/>
+        <p:cNvGrpSpPr/>
+        <p:nvPr/>
+      </p:nvGrpSpPr>
+      <p:grpSpPr>
+        <a:xfrm>
+          <a:off x="0" y="0"/>
+          <a:ext cx="0" cy="0"/>
+          <a:chOff x="0" y="0"/>
+          <a:chExt cx="0" cy="0"/>
+        </a:xfrm>
+      </p:grpSpPr>
+      <p:sp>
+        <p:nvSpPr>
+          <p:cNvPr id="2" name="Título 1">
+            <a:extLst>
+              <a:ext uri="{FF2B5EF4-FFF2-40B4-BE49-F238E27FC236}">
+                <a16:creationId xmlns:a16="http://schemas.microsoft.com/office/drawing/2014/main" id="{1BA2EBFF-8391-4653-8ECD-FB11CED5970D}"/>
+              </a:ext>
+            </a:extLst>
+          </p:cNvPr>
+          <p:cNvSpPr>
+            <a:spLocks noGrp="1"/>
+          </p:cNvSpPr>
+          <p:nvPr>
+            <p:ph type="title"/>
+          </p:nvPr>
+        </p:nvSpPr>
+        <p:spPr/>
+        <p:txBody>
+          <a:bodyPr/>
+          <a:lstStyle/>
+          <a:p>
+            <a:r>
+              <a:rPr lang="en-US" dirty="0" err="1"/>
+              <a:t>Datos</a:t>
+            </a:r>
+            <a:r>
+              <a:rPr lang="en-US" dirty="0"/>
+              <a:t> de </a:t>
+            </a:r>
+            <a:r>
+              <a:rPr lang="en-US" dirty="0" err="1"/>
+              <a:t>tiempo</a:t>
+            </a:r>
+            <a:r>
+              <a:rPr lang="en-US" dirty="0"/>
+              <a:t> por </a:t>
+            </a:r>
+            <a:r>
+              <a:rPr lang="en-US" dirty="0" err="1"/>
+              <a:t>cada</a:t>
+            </a:r>
+            <a:r>
+              <a:rPr lang="en-US" dirty="0"/>
+              <a:t> </a:t>
+            </a:r>
+            <a:r>
+              <a:rPr lang="en-US" dirty="0" err="1"/>
+              <a:t>integrante</a:t>
+            </a:r>
+            <a:endParaRPr lang="en-US" dirty="0"/>
+          </a:p>
+        </p:txBody>
+      </p:sp>
+      <p:pic>
+        <p:nvPicPr>
+          <p:cNvPr id="5" name="Marcador de contenido 4">
+            <a:extLst>
+              <a:ext uri="{FF2B5EF4-FFF2-40B4-BE49-F238E27FC236}">
+                <a16:creationId xmlns:a16="http://schemas.microsoft.com/office/drawing/2014/main" id="{820E1D1B-FA46-4CCB-B79D-0C064A3DBE3E}"/>
+              </a:ext>
+            </a:extLst>
+          </p:cNvPr>
+          <p:cNvPicPr>
+            <a:picLocks noGrp="1" noChangeAspect="1"/>
+          </p:cNvPicPr>
+          <p:nvPr>
+            <p:ph idx="1"/>
+          </p:nvPr>
+        </p:nvPicPr>
+        <p:blipFill>
+          <a:blip r:embed="rId2"/>
+          <a:stretch>
+            <a:fillRect/>
+          </a:stretch>
+        </p:blipFill>
+        <p:spPr>
+          <a:xfrm>
+            <a:off x="933994" y="1363646"/>
+            <a:ext cx="7417181" cy="654084"/>
+          </a:xfrm>
+        </p:spPr>
+      </p:pic>
+      <p:pic>
+        <p:nvPicPr>
+          <p:cNvPr id="1026" name="Picture 2">
+            <a:extLst>
+              <a:ext uri="{FF2B5EF4-FFF2-40B4-BE49-F238E27FC236}">
+                <a16:creationId xmlns:a16="http://schemas.microsoft.com/office/drawing/2014/main" id="{2CC27B35-13AE-4851-9420-9B56E38D2FE1}"/>
+              </a:ext>
+            </a:extLst>
+          </p:cNvPr>
+          <p:cNvPicPr>
+            <a:picLocks noChangeAspect="1" noChangeArrowheads="1"/>
+          </p:cNvPicPr>
+          <p:nvPr/>
+        </p:nvPicPr>
+        <p:blipFill>
+          <a:blip r:embed="rId3">
+            <a:extLst>
+              <a:ext uri="{28A0092B-C50C-407E-A947-70E740481C1C}">
+                <a14:useLocalDpi xmlns:a14="http://schemas.microsoft.com/office/drawing/2010/main" val="0"/>
+              </a:ext>
+            </a:extLst>
+          </a:blip>
+          <a:srcRect/>
+          <a:stretch>
+            <a:fillRect/>
+          </a:stretch>
+        </p:blipFill>
+        <p:spPr bwMode="auto">
+          <a:xfrm>
+            <a:off x="1361374" y="2340042"/>
+            <a:ext cx="5676900" cy="3409950"/>
+          </a:xfrm>
+          <a:prstGeom prst="rect">
+            <a:avLst/>
+          </a:prstGeom>
+          <a:noFill/>
+          <a:extLst>
+            <a:ext uri="{909E8E84-426E-40DD-AFC4-6F175D3DCCD1}">
+              <a14:hiddenFill xmlns:a14="http://schemas.microsoft.com/office/drawing/2010/main">
+                <a:solidFill>
+                  <a:srgbClr val="FFFFFF"/>
+                </a:solidFill>
+              </a14:hiddenFill>
+            </a:ext>
+          </a:extLst>
+        </p:spPr>
+      </p:pic>
+    </p:spTree>
+    <p:extLst>
+      <p:ext uri="{BB962C8B-B14F-4D97-AF65-F5344CB8AC3E}">
+        <p14:creationId xmlns:p14="http://schemas.microsoft.com/office/powerpoint/2010/main" val="2094714964"/>
+      </p:ext>
+    </p:extLst>
+  </p:cSld>
+  <p:clrMapOvr>
+    <a:masterClrMapping/>
+  </p:clrMapOvr>
+</p:sld>
+</file>
+
+<file path=ppt/slides/slide6.xml><?xml version="1.0" encoding="utf-8"?>
+<p:sld xmlns:a="http://schemas.openxmlformats.org/drawingml/2006/main" xmlns:r="http://schemas.openxmlformats.org/officeDocument/2006/relationships" xmlns:p="http://schemas.openxmlformats.org/presentationml/2006/main">
+  <p:cSld>
+    <p:spTree>
+      <p:nvGrpSpPr>
+        <p:cNvPr id="1" name=""/>
+        <p:cNvGrpSpPr/>
+        <p:nvPr/>
+      </p:nvGrpSpPr>
+      <p:grpSpPr>
+        <a:xfrm>
+          <a:off x="0" y="0"/>
+          <a:ext cx="0" cy="0"/>
+          <a:chOff x="0" y="0"/>
+          <a:chExt cx="0" cy="0"/>
+        </a:xfrm>
+      </p:grpSpPr>
+      <p:sp>
+        <p:nvSpPr>
+          <p:cNvPr id="2" name="Título 1">
+            <a:extLst>
+              <a:ext uri="{FF2B5EF4-FFF2-40B4-BE49-F238E27FC236}">
+                <a16:creationId xmlns:a16="http://schemas.microsoft.com/office/drawing/2014/main" id="{08EF2396-4B2D-4F19-9DDF-8FBC634F0C12}"/>
+              </a:ext>
+            </a:extLst>
+          </p:cNvPr>
+          <p:cNvSpPr>
+            <a:spLocks noGrp="1"/>
+          </p:cNvSpPr>
+          <p:nvPr>
+            <p:ph type="title"/>
+          </p:nvPr>
+        </p:nvSpPr>
+        <p:spPr/>
+        <p:txBody>
+          <a:bodyPr/>
+          <a:lstStyle/>
+          <a:p>
+            <a:r>
+              <a:rPr lang="en-US" dirty="0" err="1"/>
+              <a:t>Actividades</a:t>
+            </a:r>
+            <a:r>
+              <a:rPr lang="en-US" dirty="0"/>
+              <a:t> </a:t>
+            </a:r>
+            <a:r>
+              <a:rPr lang="en-US" dirty="0" err="1"/>
+              <a:t>hechas</a:t>
+            </a:r>
+            <a:r>
+              <a:rPr lang="en-US" dirty="0"/>
+              <a:t> por </a:t>
+            </a:r>
+            <a:r>
+              <a:rPr lang="en-US" dirty="0" err="1"/>
+              <a:t>cada</a:t>
+            </a:r>
+            <a:r>
+              <a:rPr lang="en-US" dirty="0"/>
+              <a:t> </a:t>
+            </a:r>
+            <a:r>
+              <a:rPr lang="en-US" dirty="0" err="1"/>
+              <a:t>integrante</a:t>
+            </a:r>
+            <a:endParaRPr lang="en-US" dirty="0"/>
+          </a:p>
+        </p:txBody>
+      </p:sp>
+      <p:sp>
+        <p:nvSpPr>
+          <p:cNvPr id="3" name="Marcador de contenido 2">
+            <a:extLst>
+              <a:ext uri="{FF2B5EF4-FFF2-40B4-BE49-F238E27FC236}">
+                <a16:creationId xmlns:a16="http://schemas.microsoft.com/office/drawing/2014/main" id="{97A117C6-A3D4-408B-90FC-34D03EE3CDDE}"/>
+              </a:ext>
+            </a:extLst>
+          </p:cNvPr>
+          <p:cNvSpPr>
+            <a:spLocks noGrp="1"/>
+          </p:cNvSpPr>
+          <p:nvPr>
+            <p:ph idx="1"/>
+          </p:nvPr>
+        </p:nvSpPr>
+        <p:spPr/>
+        <p:txBody>
+          <a:bodyPr/>
+          <a:lstStyle/>
+          <a:p>
+            <a:pPr rtl="0">
+              <a:spcBef>
+                <a:spcPts val="0"/>
+              </a:spcBef>
+              <a:spcAft>
+                <a:spcPts val="1200"/>
+              </a:spcAft>
+            </a:pPr>
+            <a:r>
+              <a:rPr lang="es-ES" sz="1800" b="0" i="0" u="none" strike="noStrike" dirty="0">
+                <a:effectLst/>
+                <a:latin typeface="Times New Roman" panose="02020603050405020304" pitchFamily="18" charset="0"/>
+              </a:rPr>
+              <a:t>Trabajo realizado por el LE: 6 actividades</a:t>
+            </a:r>
+            <a:endParaRPr lang="es-ES" b="0" dirty="0">
+              <a:effectLst/>
+            </a:endParaRPr>
+          </a:p>
+          <a:p>
+            <a:pPr rtl="0">
+              <a:spcBef>
+                <a:spcPts val="0"/>
+              </a:spcBef>
+              <a:spcAft>
+                <a:spcPts val="1200"/>
+              </a:spcAft>
+            </a:pPr>
+            <a:r>
+              <a:rPr lang="es-ES" sz="1800" b="0" i="0" u="none" strike="noStrike" dirty="0">
+                <a:effectLst/>
+                <a:latin typeface="Times New Roman" panose="02020603050405020304" pitchFamily="18" charset="0"/>
+              </a:rPr>
+              <a:t>Trabajo realizado por el LD: 5 actividades</a:t>
+            </a:r>
+            <a:endParaRPr lang="es-ES" sz="1800" i="0" u="none" strike="noStrike" dirty="0">
+              <a:latin typeface="Times New Roman" panose="02020603050405020304" pitchFamily="18" charset="0"/>
+            </a:endParaRPr>
+          </a:p>
+          <a:p>
+            <a:pPr marL="0" indent="0" rtl="0">
+              <a:spcBef>
+                <a:spcPts val="0"/>
+              </a:spcBef>
+              <a:spcAft>
+                <a:spcPts val="1200"/>
+              </a:spcAft>
+              <a:buNone/>
+            </a:pPr>
+            <a:br>
+              <a:rPr lang="es-ES" dirty="0"/>
+            </a:br>
+            <a:endParaRPr lang="en-US" dirty="0"/>
+          </a:p>
+        </p:txBody>
+      </p:sp>
+      <p:pic>
+        <p:nvPicPr>
+          <p:cNvPr id="5" name="Imagen 4">
+            <a:extLst>
+              <a:ext uri="{FF2B5EF4-FFF2-40B4-BE49-F238E27FC236}">
+                <a16:creationId xmlns:a16="http://schemas.microsoft.com/office/drawing/2014/main" id="{5CE56362-4EF4-4C1F-8A9D-1FC3FB322296}"/>
+              </a:ext>
+            </a:extLst>
+          </p:cNvPr>
+          <p:cNvPicPr>
+            <a:picLocks noChangeAspect="1"/>
+          </p:cNvPicPr>
+          <p:nvPr/>
+        </p:nvPicPr>
+        <p:blipFill>
+          <a:blip r:embed="rId2"/>
+          <a:stretch>
+            <a:fillRect/>
+          </a:stretch>
+        </p:blipFill>
+        <p:spPr>
+          <a:xfrm>
+            <a:off x="1055992" y="2871406"/>
+            <a:ext cx="5040008" cy="2988841"/>
+          </a:xfrm>
+          <a:prstGeom prst="rect">
+            <a:avLst/>
+          </a:prstGeom>
+        </p:spPr>
+      </p:pic>
+    </p:spTree>
+    <p:extLst>
+      <p:ext uri="{BB962C8B-B14F-4D97-AF65-F5344CB8AC3E}">
+        <p14:creationId xmlns:p14="http://schemas.microsoft.com/office/powerpoint/2010/main" val="1999987929"/>
+      </p:ext>
+    </p:extLst>
+  </p:cSld>
+  <p:clrMapOvr>
+    <a:masterClrMapping/>
+  </p:clrMapOvr>
+</p:sld>
+</file>
+
 <file path=ppt/theme/theme1.xml><?xml version="1.0" encoding="utf-8"?>
 <a:theme xmlns:a="http://schemas.openxmlformats.org/drawingml/2006/main" name="Tema de Office">
   <a:themeElements>
